--- a/docs/polyglot_infographic.pptx
+++ b/docs/polyglot_infographic.pptx
@@ -288,7 +288,7 @@
           <a:p>
             <a:fld id="{ED65CE0A-E457-6346-A889-293182D0DCD3}" type="datetimeFigureOut">
               <a:rPr lang="en-US" smtClean="0"/>
-              <a:t>17/12/15</a:t>
+              <a:t>21/12/15</a:t>
             </a:fld>
             <a:endParaRPr lang="en-US"/>
           </a:p>
@@ -458,7 +458,7 @@
           <a:p>
             <a:fld id="{ED65CE0A-E457-6346-A889-293182D0DCD3}" type="datetimeFigureOut">
               <a:rPr lang="en-US" smtClean="0"/>
-              <a:t>17/12/15</a:t>
+              <a:t>21/12/15</a:t>
             </a:fld>
             <a:endParaRPr lang="en-US"/>
           </a:p>
@@ -638,7 +638,7 @@
           <a:p>
             <a:fld id="{ED65CE0A-E457-6346-A889-293182D0DCD3}" type="datetimeFigureOut">
               <a:rPr lang="en-US" smtClean="0"/>
-              <a:t>17/12/15</a:t>
+              <a:t>21/12/15</a:t>
             </a:fld>
             <a:endParaRPr lang="en-US"/>
           </a:p>
@@ -808,7 +808,7 @@
           <a:p>
             <a:fld id="{ED65CE0A-E457-6346-A889-293182D0DCD3}" type="datetimeFigureOut">
               <a:rPr lang="en-US" smtClean="0"/>
-              <a:t>17/12/15</a:t>
+              <a:t>21/12/15</a:t>
             </a:fld>
             <a:endParaRPr lang="en-US"/>
           </a:p>
@@ -1054,7 +1054,7 @@
           <a:p>
             <a:fld id="{ED65CE0A-E457-6346-A889-293182D0DCD3}" type="datetimeFigureOut">
               <a:rPr lang="en-US" smtClean="0"/>
-              <a:t>17/12/15</a:t>
+              <a:t>21/12/15</a:t>
             </a:fld>
             <a:endParaRPr lang="en-US"/>
           </a:p>
@@ -1342,7 +1342,7 @@
           <a:p>
             <a:fld id="{ED65CE0A-E457-6346-A889-293182D0DCD3}" type="datetimeFigureOut">
               <a:rPr lang="en-US" smtClean="0"/>
-              <a:t>17/12/15</a:t>
+              <a:t>21/12/15</a:t>
             </a:fld>
             <a:endParaRPr lang="en-US"/>
           </a:p>
@@ -1764,7 +1764,7 @@
           <a:p>
             <a:fld id="{ED65CE0A-E457-6346-A889-293182D0DCD3}" type="datetimeFigureOut">
               <a:rPr lang="en-US" smtClean="0"/>
-              <a:t>17/12/15</a:t>
+              <a:t>21/12/15</a:t>
             </a:fld>
             <a:endParaRPr lang="en-US"/>
           </a:p>
@@ -1882,7 +1882,7 @@
           <a:p>
             <a:fld id="{ED65CE0A-E457-6346-A889-293182D0DCD3}" type="datetimeFigureOut">
               <a:rPr lang="en-US" smtClean="0"/>
-              <a:t>17/12/15</a:t>
+              <a:t>21/12/15</a:t>
             </a:fld>
             <a:endParaRPr lang="en-US"/>
           </a:p>
@@ -1977,7 +1977,7 @@
           <a:p>
             <a:fld id="{ED65CE0A-E457-6346-A889-293182D0DCD3}" type="datetimeFigureOut">
               <a:rPr lang="en-US" smtClean="0"/>
-              <a:t>17/12/15</a:t>
+              <a:t>21/12/15</a:t>
             </a:fld>
             <a:endParaRPr lang="en-US"/>
           </a:p>
@@ -2254,7 +2254,7 @@
           <a:p>
             <a:fld id="{ED65CE0A-E457-6346-A889-293182D0DCD3}" type="datetimeFigureOut">
               <a:rPr lang="en-US" smtClean="0"/>
-              <a:t>17/12/15</a:t>
+              <a:t>21/12/15</a:t>
             </a:fld>
             <a:endParaRPr lang="en-US"/>
           </a:p>
@@ -2507,7 +2507,7 @@
           <a:p>
             <a:fld id="{ED65CE0A-E457-6346-A889-293182D0DCD3}" type="datetimeFigureOut">
               <a:rPr lang="en-US" smtClean="0"/>
-              <a:t>17/12/15</a:t>
+              <a:t>21/12/15</a:t>
             </a:fld>
             <a:endParaRPr lang="en-US"/>
           </a:p>
@@ -2720,7 +2720,7 @@
           <a:p>
             <a:fld id="{ED65CE0A-E457-6346-A889-293182D0DCD3}" type="datetimeFigureOut">
               <a:rPr lang="en-US" smtClean="0"/>
-              <a:t>17/12/15</a:t>
+              <a:t>21/12/15</a:t>
             </a:fld>
             <a:endParaRPr lang="en-US"/>
           </a:p>
@@ -3218,13 +3218,21 @@
           <a:p>
             <a:r>
               <a:rPr lang="en-US" dirty="0" smtClean="0"/>
-              <a:t>Columnar [R/W Throughput, High Disk-Memory ratio,</a:t>
-            </a:r>
-          </a:p>
-          <a:p>
+              <a:t>Columnar </a:t>
+            </a:r>
             <a:r>
               <a:rPr lang="en-US" dirty="0" smtClean="0"/>
-              <a:t>Range Scan]</a:t>
+              <a:t>[Scalable, </a:t>
+            </a:r>
+            <a:r>
+              <a:rPr lang="en-US" dirty="0" smtClean="0"/>
+              <a:t>High Disk-Memory ratio,</a:t>
+            </a:r>
+          </a:p>
+          <a:p>
+            <a:r>
+              <a:rPr lang="en-US" dirty="0" smtClean="0"/>
+              <a:t>High throughput]</a:t>
             </a:r>
             <a:endParaRPr lang="en-US" dirty="0"/>
           </a:p>
@@ -3269,7 +3277,7 @@
         <p:spPr>
           <a:xfrm>
             <a:off x="106377" y="4306559"/>
-            <a:ext cx="2274701" cy="923330"/>
+            <a:ext cx="2274701" cy="1200329"/>
           </a:xfrm>
           <a:prstGeom prst="rect">
             <a:avLst/>
@@ -3284,7 +3292,15 @@
           <a:p>
             <a:r>
               <a:rPr lang="en-US" dirty="0" smtClean="0"/>
-              <a:t>Relational [Consistent, Durable, Secondary Indices]</a:t>
+              <a:t>Relational </a:t>
+            </a:r>
+            <a:r>
+              <a:rPr lang="en-US" dirty="0" smtClean="0"/>
+              <a:t>[Transactional, Consistent</a:t>
+            </a:r>
+            <a:r>
+              <a:rPr lang="en-US" dirty="0" smtClean="0"/>
+              <a:t>, Durable, Secondary Indices]</a:t>
             </a:r>
             <a:endParaRPr lang="en-US" dirty="0"/>
           </a:p>
@@ -3331,7 +3347,19 @@
             <a:pPr algn="ctr"/>
             <a:r>
               <a:rPr lang="en-US" dirty="0" smtClean="0"/>
-              <a:t>Tiered [Scalable, On-line, Consistent*]</a:t>
+              <a:t>Tiered </a:t>
+            </a:r>
+            <a:r>
+              <a:rPr lang="en-US" dirty="0"/>
+              <a:t>[Transactional, Scalable</a:t>
+            </a:r>
+            <a:r>
+              <a:rPr lang="en-US" dirty="0" smtClean="0"/>
+              <a:t>, On-line, Consistent</a:t>
+            </a:r>
+            <a:r>
+              <a:rPr lang="en-US" dirty="0"/>
+              <a:t>*, Secondary Indices]</a:t>
             </a:r>
             <a:endParaRPr lang="en-US" dirty="0"/>
           </a:p>
@@ -3467,7 +3495,7 @@
         </p:nvSpPr>
         <p:spPr>
           <a:xfrm>
-            <a:off x="4164430" y="2291091"/>
+            <a:off x="4117286" y="1987357"/>
             <a:ext cx="945804" cy="369332"/>
           </a:xfrm>
           <a:prstGeom prst="rect">
